--- a/Walmart Sales Analysis.pptx
+++ b/Walmart Sales Analysis.pptx
@@ -17,17 +17,18 @@
     <p:sldId id="264" r:id="rId11"/>
     <p:sldId id="265" r:id="rId12"/>
     <p:sldId id="276" r:id="rId13"/>
-    <p:sldId id="277" r:id="rId14"/>
-    <p:sldId id="267" r:id="rId15"/>
-    <p:sldId id="268" r:id="rId16"/>
-    <p:sldId id="269" r:id="rId17"/>
-    <p:sldId id="270" r:id="rId18"/>
-    <p:sldId id="271" r:id="rId19"/>
-    <p:sldId id="272" r:id="rId20"/>
-    <p:sldId id="273" r:id="rId21"/>
-    <p:sldId id="278" r:id="rId22"/>
-    <p:sldId id="279" r:id="rId23"/>
-    <p:sldId id="280" r:id="rId24"/>
+    <p:sldId id="267" r:id="rId14"/>
+    <p:sldId id="268" r:id="rId15"/>
+    <p:sldId id="269" r:id="rId16"/>
+    <p:sldId id="270" r:id="rId17"/>
+    <p:sldId id="271" r:id="rId18"/>
+    <p:sldId id="273" r:id="rId19"/>
+    <p:sldId id="278" r:id="rId20"/>
+    <p:sldId id="279" r:id="rId21"/>
+    <p:sldId id="280" r:id="rId22"/>
+    <p:sldId id="281" r:id="rId23"/>
+    <p:sldId id="277" r:id="rId24"/>
+    <p:sldId id="272" r:id="rId25"/>
   </p:sldIdLst>
   <p:sldSz cx="12192000" cy="6858000"/>
   <p:notesSz cx="6858000" cy="9144000"/>
@@ -126,6 +127,11 @@
       </a:defRPr>
     </a:lvl9pPr>
   </p:defaultTextStyle>
+  <p:extLst>
+    <p:ext uri="{EFAFB233-063F-42B5-8137-9DF3F51BA10A}">
+      <p15:sldGuideLst xmlns:p15="http://schemas.microsoft.com/office/powerpoint/2012/main"/>
+    </p:ext>
+  </p:extLst>
 </p:presentation>
 </file>
 
@@ -353,7 +359,7 @@
           <a:p>
             <a:fld id="{93D10A4B-EDFF-4DF6-83C7-7F351ACADE5B}" type="datetimeFigureOut">
               <a:rPr lang="en-US" smtClean="0"/>
-              <a:t>12/14/2023</a:t>
+              <a:t>12/15/2023</a:t>
             </a:fld>
             <a:endParaRPr lang="en-US"/>
           </a:p>
@@ -523,7 +529,7 @@
           <a:p>
             <a:fld id="{93D10A4B-EDFF-4DF6-83C7-7F351ACADE5B}" type="datetimeFigureOut">
               <a:rPr lang="en-US" smtClean="0"/>
-              <a:t>12/14/2023</a:t>
+              <a:t>12/15/2023</a:t>
             </a:fld>
             <a:endParaRPr lang="en-US"/>
           </a:p>
@@ -703,7 +709,7 @@
           <a:p>
             <a:fld id="{93D10A4B-EDFF-4DF6-83C7-7F351ACADE5B}" type="datetimeFigureOut">
               <a:rPr lang="en-US" smtClean="0"/>
-              <a:t>12/14/2023</a:t>
+              <a:t>12/15/2023</a:t>
             </a:fld>
             <a:endParaRPr lang="en-US"/>
           </a:p>
@@ -873,7 +879,7 @@
           <a:p>
             <a:fld id="{93D10A4B-EDFF-4DF6-83C7-7F351ACADE5B}" type="datetimeFigureOut">
               <a:rPr lang="en-US" smtClean="0"/>
-              <a:t>12/14/2023</a:t>
+              <a:t>12/15/2023</a:t>
             </a:fld>
             <a:endParaRPr lang="en-US"/>
           </a:p>
@@ -1131,7 +1137,7 @@
           <a:p>
             <a:fld id="{93D10A4B-EDFF-4DF6-83C7-7F351ACADE5B}" type="datetimeFigureOut">
               <a:rPr lang="en-US" smtClean="0"/>
-              <a:t>12/14/2023</a:t>
+              <a:t>12/15/2023</a:t>
             </a:fld>
             <a:endParaRPr lang="en-US"/>
           </a:p>
@@ -1419,7 +1425,7 @@
           <a:p>
             <a:fld id="{93D10A4B-EDFF-4DF6-83C7-7F351ACADE5B}" type="datetimeFigureOut">
               <a:rPr lang="en-US" smtClean="0"/>
-              <a:t>12/14/2023</a:t>
+              <a:t>12/15/2023</a:t>
             </a:fld>
             <a:endParaRPr lang="en-US"/>
           </a:p>
@@ -1861,7 +1867,7 @@
           <a:p>
             <a:fld id="{93D10A4B-EDFF-4DF6-83C7-7F351ACADE5B}" type="datetimeFigureOut">
               <a:rPr lang="en-US" smtClean="0"/>
-              <a:t>12/14/2023</a:t>
+              <a:t>12/15/2023</a:t>
             </a:fld>
             <a:endParaRPr lang="en-US"/>
           </a:p>
@@ -1979,7 +1985,7 @@
           <a:p>
             <a:fld id="{93D10A4B-EDFF-4DF6-83C7-7F351ACADE5B}" type="datetimeFigureOut">
               <a:rPr lang="en-US" smtClean="0"/>
-              <a:t>12/14/2023</a:t>
+              <a:t>12/15/2023</a:t>
             </a:fld>
             <a:endParaRPr lang="en-US"/>
           </a:p>
@@ -2074,7 +2080,7 @@
           <a:p>
             <a:fld id="{93D10A4B-EDFF-4DF6-83C7-7F351ACADE5B}" type="datetimeFigureOut">
               <a:rPr lang="en-US" smtClean="0"/>
-              <a:t>12/14/2023</a:t>
+              <a:t>12/15/2023</a:t>
             </a:fld>
             <a:endParaRPr lang="en-US"/>
           </a:p>
@@ -2362,7 +2368,7 @@
           <a:p>
             <a:fld id="{93D10A4B-EDFF-4DF6-83C7-7F351ACADE5B}" type="datetimeFigureOut">
               <a:rPr lang="en-US" smtClean="0"/>
-              <a:t>12/14/2023</a:t>
+              <a:t>12/15/2023</a:t>
             </a:fld>
             <a:endParaRPr lang="en-US"/>
           </a:p>
@@ -2635,7 +2641,7 @@
           <a:p>
             <a:fld id="{93D10A4B-EDFF-4DF6-83C7-7F351ACADE5B}" type="datetimeFigureOut">
               <a:rPr lang="en-US" smtClean="0"/>
-              <a:t>12/14/2023</a:t>
+              <a:t>12/15/2023</a:t>
             </a:fld>
             <a:endParaRPr lang="en-US"/>
           </a:p>
@@ -2932,7 +2938,7 @@
           <a:p>
             <a:fld id="{93D10A4B-EDFF-4DF6-83C7-7F351ACADE5B}" type="datetimeFigureOut">
               <a:rPr lang="en-US" smtClean="0"/>
-              <a:t>12/14/2023</a:t>
+              <a:t>12/15/2023</a:t>
             </a:fld>
             <a:endParaRPr lang="en-US"/>
           </a:p>
@@ -3506,6 +3512,60 @@
           </a:prstGeom>
         </p:spPr>
       </p:pic>
+      <p:sp>
+        <p:nvSpPr>
+          <p:cNvPr id="4" name="TextBox 3">
+            <a:extLst>
+              <a:ext uri="{FF2B5EF4-FFF2-40B4-BE49-F238E27FC236}">
+                <a16:creationId xmlns:a16="http://schemas.microsoft.com/office/drawing/2014/main" id="{95CA3369-7F72-D796-F939-F5C898DAF3B3}"/>
+              </a:ext>
+            </a:extLst>
+          </p:cNvPr>
+          <p:cNvSpPr txBox="1"/>
+          <p:nvPr/>
+        </p:nvSpPr>
+        <p:spPr>
+          <a:xfrm>
+            <a:off x="1069848" y="5516514"/>
+            <a:ext cx="5710688" cy="369332"/>
+          </a:xfrm>
+          <a:prstGeom prst="rect">
+            <a:avLst/>
+          </a:prstGeom>
+          <a:noFill/>
+        </p:spPr>
+        <p:txBody>
+          <a:bodyPr wrap="square" rtlCol="0">
+            <a:spAutoFit/>
+          </a:bodyPr>
+          <a:lstStyle/>
+          <a:p>
+            <a:r>
+              <a:rPr lang="en-US" dirty="0">
+                <a:solidFill>
+                  <a:schemeClr val="bg1"/>
+                </a:solidFill>
+                <a:hlinkClick r:id="rId3">
+                  <a:extLst>
+                    <a:ext uri="{A12FA001-AC4F-418D-AE19-62706E023703}">
+                      <ahyp:hlinkClr xmlns:ahyp="http://schemas.microsoft.com/office/drawing/2018/hyperlinkcolor" val="tx"/>
+                    </a:ext>
+                  </a:extLst>
+                </a:hlinkClick>
+              </a:rPr>
+              <a:t>https://github.com/mleggett25/Walmart-Sales-Analysis</a:t>
+            </a:r>
+            <a:r>
+              <a:rPr lang="en-US" dirty="0">
+                <a:solidFill>
+                  <a:schemeClr val="bg1"/>
+                </a:solidFill>
+              </a:rPr>
+              <a:t> </a:t>
+            </a:r>
+          </a:p>
+        </p:txBody>
+      </p:sp>
     </p:spTree>
     <p:extLst>
       <p:ext uri="{BB962C8B-B14F-4D97-AF65-F5344CB8AC3E}">
@@ -3581,7 +3641,7 @@
             </a:br>
             <a:r>
               <a:rPr lang="en-US" sz="2000" dirty="0"/>
-              <a:t>Revenue increases at an exponential rate during the holidays.</a:t>
+              <a:t>Revenue increases at a rate of about 7.5% during the holidays.</a:t>
             </a:r>
             <a:br>
               <a:rPr lang="en-US" sz="2000" dirty="0"/>
@@ -3595,10 +3655,10 @@
       </p:sp>
       <p:pic>
         <p:nvPicPr>
-          <p:cNvPr id="4" name="Picture 3" descr="A graph with numbers and a bar&#10;&#10;Description automatically generated">
+          <p:cNvPr id="5" name="Picture 4" descr="A graph with red and white text&#10;&#10;Description automatically generated with medium confidence">
             <a:extLst>
               <a:ext uri="{FF2B5EF4-FFF2-40B4-BE49-F238E27FC236}">
-                <a16:creationId xmlns:a16="http://schemas.microsoft.com/office/drawing/2014/main" id="{BF60DD49-0B94-2C00-1AC0-C4493B7EB064}"/>
+                <a16:creationId xmlns:a16="http://schemas.microsoft.com/office/drawing/2014/main" id="{1679C080-8CD6-AA9A-6CD9-5928BCD3A717}"/>
               </a:ext>
             </a:extLst>
           </p:cNvPr>
@@ -3621,8 +3681,8 @@
         </p:blipFill>
         <p:spPr>
           <a:xfrm>
-            <a:off x="4069052" y="229030"/>
-            <a:ext cx="7118352" cy="3050723"/>
+            <a:off x="3863876" y="179517"/>
+            <a:ext cx="7363650" cy="3168494"/>
           </a:xfrm>
           <a:prstGeom prst="rect">
             <a:avLst/>
@@ -3631,10 +3691,10 @@
       </p:pic>
       <p:pic>
         <p:nvPicPr>
-          <p:cNvPr id="6" name="Picture 5" descr="A graph of sales&#10;&#10;Description automatically generated">
+          <p:cNvPr id="8" name="Picture 7" descr="A graph of sales&#10;&#10;Description automatically generated">
             <a:extLst>
               <a:ext uri="{FF2B5EF4-FFF2-40B4-BE49-F238E27FC236}">
-                <a16:creationId xmlns:a16="http://schemas.microsoft.com/office/drawing/2014/main" id="{6E57D910-7551-67AF-9F2F-01F03E04255C}"/>
+                <a16:creationId xmlns:a16="http://schemas.microsoft.com/office/drawing/2014/main" id="{4A980AC5-7708-1494-D051-7B70154B9604}"/>
               </a:ext>
             </a:extLst>
           </p:cNvPr>
@@ -3657,8 +3717,8 @@
         </p:blipFill>
         <p:spPr>
           <a:xfrm>
-            <a:off x="4069052" y="3424428"/>
-            <a:ext cx="7118352" cy="3204541"/>
+            <a:off x="3863876" y="3348011"/>
+            <a:ext cx="7363650" cy="3324666"/>
           </a:xfrm>
           <a:prstGeom prst="rect">
             <a:avLst/>
@@ -3714,12 +3774,12 @@
         <p:spPr/>
         <p:txBody>
           <a:bodyPr>
-            <a:normAutofit/>
+            <a:normAutofit fontScale="90000"/>
           </a:bodyPr>
           <a:lstStyle/>
           <a:p>
             <a:r>
-              <a:rPr lang="en-US" sz="2400" dirty="0"/>
+              <a:rPr lang="en-US" sz="2700" dirty="0"/>
               <a:t>Comparing Holiday and Non-Holiday Sales</a:t>
             </a:r>
             <a:br>
@@ -3738,16 +3798,142 @@
             <a:br>
               <a:rPr lang="en-US" sz="2000" dirty="0"/>
             </a:br>
+            <a:r>
+              <a:rPr lang="en-US" sz="2000" dirty="0"/>
+              <a:t>Percent Difference between Average Holiday Weeks and Non-Holiday Weeks</a:t>
+            </a:r>
+            <a:br>
+              <a:rPr lang="en-US" sz="2000" dirty="0"/>
+            </a:br>
+            <a:br>
+              <a:rPr lang="en-US" sz="2000" dirty="0"/>
+            </a:br>
+            <a:r>
+              <a:rPr lang="en-US" sz="2000" dirty="0"/>
+              <a:t>High: 7.4%</a:t>
+            </a:r>
+            <a:br>
+              <a:rPr lang="en-US" sz="2000" dirty="0"/>
+            </a:br>
+            <a:r>
+              <a:rPr lang="en-US" sz="2000" dirty="0"/>
+              <a:t>Mid-High: 7.6%</a:t>
+            </a:r>
+            <a:br>
+              <a:rPr lang="en-US" sz="2000" dirty="0"/>
+            </a:br>
+            <a:r>
+              <a:rPr lang="en-US" sz="2000" dirty="0"/>
+              <a:t>Mid-Low: 8.5%</a:t>
+            </a:r>
+            <a:br>
+              <a:rPr lang="en-US" sz="2000" dirty="0"/>
+            </a:br>
+            <a:r>
+              <a:rPr lang="en-US" sz="2000" dirty="0"/>
+              <a:t>Low: 5.8%</a:t>
+            </a:r>
+            <a:br>
+              <a:rPr lang="en-US" sz="2000" dirty="0"/>
+            </a:br>
+            <a:br>
+              <a:rPr lang="en-US" sz="2000" dirty="0"/>
+            </a:br>
+            <a:br>
+              <a:rPr lang="en-US" sz="2000" dirty="0"/>
+            </a:br>
+            <a:br>
+              <a:rPr lang="en-US" sz="2000" dirty="0"/>
+            </a:br>
             <a:endParaRPr lang="en-US" sz="2000" dirty="0"/>
           </a:p>
         </p:txBody>
       </p:sp>
+      <p:cxnSp>
+        <p:nvCxnSpPr>
+          <p:cNvPr id="5" name="Straight Connector 4">
+            <a:extLst>
+              <a:ext uri="{FF2B5EF4-FFF2-40B4-BE49-F238E27FC236}">
+                <a16:creationId xmlns:a16="http://schemas.microsoft.com/office/drawing/2014/main" id="{1FC2091B-46F4-BA45-F64D-4FB262C72D22}"/>
+              </a:ext>
+            </a:extLst>
+          </p:cNvPr>
+          <p:cNvCxnSpPr/>
+          <p:nvPr/>
+        </p:nvCxnSpPr>
+        <p:spPr>
+          <a:xfrm>
+            <a:off x="156411" y="2785311"/>
+            <a:ext cx="3146257" cy="0"/>
+          </a:xfrm>
+          <a:prstGeom prst="line">
+            <a:avLst/>
+          </a:prstGeom>
+        </p:spPr>
+        <p:style>
+          <a:lnRef idx="1">
+            <a:schemeClr val="accent1"/>
+          </a:lnRef>
+          <a:fillRef idx="0">
+            <a:schemeClr val="accent1"/>
+          </a:fillRef>
+          <a:effectRef idx="0">
+            <a:schemeClr val="accent1"/>
+          </a:effectRef>
+          <a:fontRef idx="minor">
+            <a:schemeClr val="tx1"/>
+          </a:fontRef>
+        </p:style>
+      </p:cxnSp>
+      <p:cxnSp>
+        <p:nvCxnSpPr>
+          <p:cNvPr id="8" name="Straight Connector 7">
+            <a:extLst>
+              <a:ext uri="{FF2B5EF4-FFF2-40B4-BE49-F238E27FC236}">
+                <a16:creationId xmlns:a16="http://schemas.microsoft.com/office/drawing/2014/main" id="{9303E692-CA84-AD31-407B-7C0CC6D81B7A}"/>
+              </a:ext>
+            </a:extLst>
+          </p:cNvPr>
+          <p:cNvCxnSpPr>
+            <a:cxnSpLocks/>
+          </p:cNvCxnSpPr>
+          <p:nvPr/>
+        </p:nvCxnSpPr>
+        <p:spPr>
+          <a:xfrm>
+            <a:off x="156411" y="2785311"/>
+            <a:ext cx="3146257" cy="0"/>
+          </a:xfrm>
+          <a:prstGeom prst="line">
+            <a:avLst/>
+          </a:prstGeom>
+          <a:ln>
+            <a:solidFill>
+              <a:schemeClr val="bg1"/>
+            </a:solidFill>
+          </a:ln>
+        </p:spPr>
+        <p:style>
+          <a:lnRef idx="1">
+            <a:schemeClr val="accent1"/>
+          </a:lnRef>
+          <a:fillRef idx="0">
+            <a:schemeClr val="accent1"/>
+          </a:fillRef>
+          <a:effectRef idx="0">
+            <a:schemeClr val="accent1"/>
+          </a:effectRef>
+          <a:fontRef idx="minor">
+            <a:schemeClr val="tx1"/>
+          </a:fontRef>
+        </p:style>
+      </p:cxnSp>
       <p:pic>
         <p:nvPicPr>
-          <p:cNvPr id="4" name="Picture 3" descr="A graph of different colored bars&#10;&#10;Description automatically generated with medium confidence">
+          <p:cNvPr id="7" name="Picture 6" descr="A graph showing different colored bars&#10;&#10;Description automatically generated with medium confidence">
             <a:extLst>
               <a:ext uri="{FF2B5EF4-FFF2-40B4-BE49-F238E27FC236}">
-                <a16:creationId xmlns:a16="http://schemas.microsoft.com/office/drawing/2014/main" id="{564412C8-2288-823C-0B96-D1CD6CA6263B}"/>
+                <a16:creationId xmlns:a16="http://schemas.microsoft.com/office/drawing/2014/main" id="{5E82B4E2-06E5-B793-9928-D470C05F304A}"/>
               </a:ext>
             </a:extLst>
           </p:cNvPr>
@@ -3770,8 +3956,8 @@
         </p:blipFill>
         <p:spPr>
           <a:xfrm>
-            <a:off x="4227085" y="83534"/>
-            <a:ext cx="6641210" cy="3340894"/>
+            <a:off x="4215251" y="70042"/>
+            <a:ext cx="6594264" cy="3320706"/>
           </a:xfrm>
           <a:prstGeom prst="rect">
             <a:avLst/>
@@ -3780,10 +3966,10 @@
       </p:pic>
       <p:pic>
         <p:nvPicPr>
-          <p:cNvPr id="6" name="Picture 5" descr="A graph of sales&#10;&#10;Description automatically generated">
+          <p:cNvPr id="10" name="Picture 9" descr="A graph of sales&#10;&#10;Description automatically generated">
             <a:extLst>
               <a:ext uri="{FF2B5EF4-FFF2-40B4-BE49-F238E27FC236}">
-                <a16:creationId xmlns:a16="http://schemas.microsoft.com/office/drawing/2014/main" id="{9F41EA47-FB64-5420-FA71-29C226AC9ACC}"/>
+                <a16:creationId xmlns:a16="http://schemas.microsoft.com/office/drawing/2014/main" id="{33EB1793-A0E5-64AD-9C30-1AC5FF4C0306}"/>
               </a:ext>
             </a:extLst>
           </p:cNvPr>
@@ -3806,8 +3992,8 @@
         </p:blipFill>
         <p:spPr>
           <a:xfrm>
-            <a:off x="4227085" y="3340894"/>
-            <a:ext cx="6641211" cy="3368043"/>
+            <a:off x="4215251" y="3390748"/>
+            <a:ext cx="6594264" cy="3354386"/>
           </a:xfrm>
           <a:prstGeom prst="rect">
             <a:avLst/>
@@ -3879,7 +4065,27 @@
             </a:br>
             <a:r>
               <a:rPr lang="en-US" sz="2000" dirty="0"/>
-              <a:t>The data shows no significant change between the Super Bowl sales and sales the week before and week after. There is also no significant change between Labor Day sales and sales the week before and week after. Sales are much higher the week of Thanksgiving due to Black Friday. Sales are much higher the week before Christmas as most people will be shopping for presents for the holiday.</a:t>
+              <a:t>No significant change between week before and week after sales for the Super Bowl and Labor Day.</a:t>
+            </a:r>
+            <a:br>
+              <a:rPr lang="en-US" sz="2000" dirty="0"/>
+            </a:br>
+            <a:br>
+              <a:rPr lang="en-US" sz="2000" dirty="0"/>
+            </a:br>
+            <a:r>
+              <a:rPr lang="en-US" sz="2000" dirty="0"/>
+              <a:t>Sales are much higher the week of Thanksgiving due to Black Friday. </a:t>
+            </a:r>
+            <a:br>
+              <a:rPr lang="en-US" sz="2000" dirty="0"/>
+            </a:br>
+            <a:br>
+              <a:rPr lang="en-US" sz="2000" dirty="0"/>
+            </a:br>
+            <a:r>
+              <a:rPr lang="en-US" sz="2000" dirty="0"/>
+              <a:t>Sales are much higher the week before Christmas as most people will be shopping for presents for the holiday.</a:t>
             </a:r>
           </a:p>
         </p:txBody>
@@ -3955,7 +4161,7 @@
           <p:cNvPr id="2" name="Title 1">
             <a:extLst>
               <a:ext uri="{FF2B5EF4-FFF2-40B4-BE49-F238E27FC236}">
-                <a16:creationId xmlns:a16="http://schemas.microsoft.com/office/drawing/2014/main" id="{3D76B025-5812-B7A2-6282-C9B12DCC9589}"/>
+                <a16:creationId xmlns:a16="http://schemas.microsoft.com/office/drawing/2014/main" id="{7BFB1D41-8636-3CAC-3F96-35B0BB69768D}"/>
               </a:ext>
             </a:extLst>
           </p:cNvPr>
@@ -3974,8 +4180,8 @@
           <a:lstStyle/>
           <a:p>
             <a:r>
-              <a:rPr lang="en-US" sz="3000" dirty="0"/>
-              <a:t>Sales Around the Holidays</a:t>
+              <a:rPr lang="en-US" sz="3200" dirty="0"/>
+              <a:t>Fuel Price</a:t>
             </a:r>
             <a:br>
               <a:rPr lang="en-US" sz="2000" dirty="0"/>
@@ -3985,231 +4191,7 @@
             </a:br>
             <a:r>
               <a:rPr lang="en-US" sz="2000" dirty="0"/>
-              <a:t>The data further reinforces the conclusions made from the graph with data from all stores.</a:t>
-            </a:r>
-            <a:br>
-              <a:rPr lang="en-US" sz="2000" dirty="0"/>
-            </a:br>
-            <a:br>
-              <a:rPr lang="en-US" sz="2000" dirty="0"/>
-            </a:br>
-            <a:r>
-              <a:rPr lang="en-US" sz="2000" dirty="0"/>
-              <a:t>There are no significant differences between the different levels of performance.</a:t>
-            </a:r>
-          </a:p>
-        </p:txBody>
-      </p:sp>
-      <p:pic>
-        <p:nvPicPr>
-          <p:cNvPr id="4" name="Picture 3" descr="A graph of sales&#10;&#10;Description automatically generated">
-            <a:extLst>
-              <a:ext uri="{FF2B5EF4-FFF2-40B4-BE49-F238E27FC236}">
-                <a16:creationId xmlns:a16="http://schemas.microsoft.com/office/drawing/2014/main" id="{CA92DD50-A60C-1042-2AB8-BA3CF4916E90}"/>
-              </a:ext>
-            </a:extLst>
-          </p:cNvPr>
-          <p:cNvPicPr>
-            <a:picLocks noChangeAspect="1"/>
-          </p:cNvPicPr>
-          <p:nvPr/>
-        </p:nvPicPr>
-        <p:blipFill>
-          <a:blip r:embed="rId2">
-            <a:extLst>
-              <a:ext uri="{28A0092B-C50C-407E-A947-70E740481C1C}">
-                <a14:useLocalDpi xmlns:a14="http://schemas.microsoft.com/office/drawing/2010/main" val="0"/>
-              </a:ext>
-            </a:extLst>
-          </a:blip>
-          <a:stretch>
-            <a:fillRect/>
-          </a:stretch>
-        </p:blipFill>
-        <p:spPr>
-          <a:xfrm>
-            <a:off x="2971461" y="259831"/>
-            <a:ext cx="4597800" cy="2056325"/>
-          </a:xfrm>
-          <a:prstGeom prst="rect">
-            <a:avLst/>
-          </a:prstGeom>
-        </p:spPr>
-      </p:pic>
-      <p:pic>
-        <p:nvPicPr>
-          <p:cNvPr id="6" name="Picture 5" descr="A graph of sales&#10;&#10;Description automatically generated">
-            <a:extLst>
-              <a:ext uri="{FF2B5EF4-FFF2-40B4-BE49-F238E27FC236}">
-                <a16:creationId xmlns:a16="http://schemas.microsoft.com/office/drawing/2014/main" id="{3B4A6CEE-15B3-D1DF-B2DA-8AE25FB96099}"/>
-              </a:ext>
-            </a:extLst>
-          </p:cNvPr>
-          <p:cNvPicPr>
-            <a:picLocks noChangeAspect="1"/>
-          </p:cNvPicPr>
-          <p:nvPr/>
-        </p:nvPicPr>
-        <p:blipFill>
-          <a:blip r:embed="rId3">
-            <a:extLst>
-              <a:ext uri="{28A0092B-C50C-407E-A947-70E740481C1C}">
-                <a14:useLocalDpi xmlns:a14="http://schemas.microsoft.com/office/drawing/2010/main" val="0"/>
-              </a:ext>
-            </a:extLst>
-          </a:blip>
-          <a:stretch>
-            <a:fillRect/>
-          </a:stretch>
-        </p:blipFill>
-        <p:spPr>
-          <a:xfrm>
-            <a:off x="7531693" y="259831"/>
-            <a:ext cx="4551449" cy="2056325"/>
-          </a:xfrm>
-          <a:prstGeom prst="rect">
-            <a:avLst/>
-          </a:prstGeom>
-        </p:spPr>
-      </p:pic>
-      <p:pic>
-        <p:nvPicPr>
-          <p:cNvPr id="8" name="Picture 7" descr="A graph of sales&#10;&#10;Description automatically generated">
-            <a:extLst>
-              <a:ext uri="{FF2B5EF4-FFF2-40B4-BE49-F238E27FC236}">
-                <a16:creationId xmlns:a16="http://schemas.microsoft.com/office/drawing/2014/main" id="{9D506D2F-FE0E-6008-EA2B-A7CD36E29649}"/>
-              </a:ext>
-            </a:extLst>
-          </p:cNvPr>
-          <p:cNvPicPr>
-            <a:picLocks noChangeAspect="1"/>
-          </p:cNvPicPr>
-          <p:nvPr/>
-        </p:nvPicPr>
-        <p:blipFill>
-          <a:blip r:embed="rId4">
-            <a:extLst>
-              <a:ext uri="{28A0092B-C50C-407E-A947-70E740481C1C}">
-                <a14:useLocalDpi xmlns:a14="http://schemas.microsoft.com/office/drawing/2010/main" val="0"/>
-              </a:ext>
-            </a:extLst>
-          </a:blip>
-          <a:stretch>
-            <a:fillRect/>
-          </a:stretch>
-        </p:blipFill>
-        <p:spPr>
-          <a:xfrm>
-            <a:off x="5034431" y="2316156"/>
-            <a:ext cx="4912084" cy="2176529"/>
-          </a:xfrm>
-          <a:prstGeom prst="rect">
-            <a:avLst/>
-          </a:prstGeom>
-        </p:spPr>
-      </p:pic>
-      <p:pic>
-        <p:nvPicPr>
-          <p:cNvPr id="10" name="Picture 9" descr="A graph of sales&#10;&#10;Description automatically generated with medium confidence">
-            <a:extLst>
-              <a:ext uri="{FF2B5EF4-FFF2-40B4-BE49-F238E27FC236}">
-                <a16:creationId xmlns:a16="http://schemas.microsoft.com/office/drawing/2014/main" id="{DA58CBCA-213C-FBAA-0080-3E81736D8BE7}"/>
-              </a:ext>
-            </a:extLst>
-          </p:cNvPr>
-          <p:cNvPicPr>
-            <a:picLocks noChangeAspect="1"/>
-          </p:cNvPicPr>
-          <p:nvPr/>
-        </p:nvPicPr>
-        <p:blipFill>
-          <a:blip r:embed="rId5">
-            <a:extLst>
-              <a:ext uri="{28A0092B-C50C-407E-A947-70E740481C1C}">
-                <a14:useLocalDpi xmlns:a14="http://schemas.microsoft.com/office/drawing/2010/main" val="0"/>
-              </a:ext>
-            </a:extLst>
-          </a:blip>
-          <a:stretch>
-            <a:fillRect/>
-          </a:stretch>
-        </p:blipFill>
-        <p:spPr>
-          <a:xfrm>
-            <a:off x="5034430" y="4518022"/>
-            <a:ext cx="4912084" cy="2056325"/>
-          </a:xfrm>
-          <a:prstGeom prst="rect">
-            <a:avLst/>
-          </a:prstGeom>
-        </p:spPr>
-      </p:pic>
-    </p:spTree>
-    <p:extLst>
-      <p:ext uri="{BB962C8B-B14F-4D97-AF65-F5344CB8AC3E}">
-        <p14:creationId xmlns:p14="http://schemas.microsoft.com/office/powerpoint/2010/main" val="208714694"/>
-      </p:ext>
-    </p:extLst>
-  </p:cSld>
-  <p:clrMapOvr>
-    <a:masterClrMapping/>
-  </p:clrMapOvr>
-</p:sld>
-</file>
-
-<file path=ppt/slides/slide14.xml><?xml version="1.0" encoding="utf-8"?>
-<p:sld xmlns:a="http://schemas.openxmlformats.org/drawingml/2006/main" xmlns:r="http://schemas.openxmlformats.org/officeDocument/2006/relationships" xmlns:p="http://schemas.openxmlformats.org/presentationml/2006/main">
-  <p:cSld>
-    <p:spTree>
-      <p:nvGrpSpPr>
-        <p:cNvPr id="1" name=""/>
-        <p:cNvGrpSpPr/>
-        <p:nvPr/>
-      </p:nvGrpSpPr>
-      <p:grpSpPr>
-        <a:xfrm>
-          <a:off x="0" y="0"/>
-          <a:ext cx="0" cy="0"/>
-          <a:chOff x="0" y="0"/>
-          <a:chExt cx="0" cy="0"/>
-        </a:xfrm>
-      </p:grpSpPr>
-      <p:sp>
-        <p:nvSpPr>
-          <p:cNvPr id="2" name="Title 1">
-            <a:extLst>
-              <a:ext uri="{FF2B5EF4-FFF2-40B4-BE49-F238E27FC236}">
-                <a16:creationId xmlns:a16="http://schemas.microsoft.com/office/drawing/2014/main" id="{7BFB1D41-8636-3CAC-3F96-35B0BB69768D}"/>
-              </a:ext>
-            </a:extLst>
-          </p:cNvPr>
-          <p:cNvSpPr>
-            <a:spLocks noGrp="1"/>
-          </p:cNvSpPr>
-          <p:nvPr>
-            <p:ph type="title"/>
-          </p:nvPr>
-        </p:nvSpPr>
-        <p:spPr/>
-        <p:txBody>
-          <a:bodyPr>
-            <a:normAutofit/>
-          </a:bodyPr>
-          <a:lstStyle/>
-          <a:p>
-            <a:r>
-              <a:rPr lang="en-US" sz="3200" dirty="0"/>
-              <a:t>Fuel Price</a:t>
-            </a:r>
-            <a:br>
-              <a:rPr lang="en-US" sz="2000" dirty="0"/>
-            </a:br>
-            <a:br>
-              <a:rPr lang="en-US" sz="2000" dirty="0"/>
-            </a:br>
-            <a:r>
-              <a:rPr lang="en-US" sz="2000" dirty="0"/>
-              <a:t>Fuel price does not have a significant affect on weekly sales.</a:t>
+              <a:t>Fuel price does not have a significant effect on weekly sales.</a:t>
             </a:r>
             <a:br>
               <a:rPr lang="en-US" sz="2000" dirty="0"/>
@@ -4309,7 +4291,7 @@
 </p:sld>
 </file>
 
-<file path=ppt/slides/slide15.xml><?xml version="1.0" encoding="utf-8"?>
+<file path=ppt/slides/slide14.xml><?xml version="1.0" encoding="utf-8"?>
 <p:sld xmlns:a="http://schemas.openxmlformats.org/drawingml/2006/main" xmlns:r="http://schemas.openxmlformats.org/officeDocument/2006/relationships" xmlns:p="http://schemas.openxmlformats.org/presentationml/2006/main">
   <p:cSld>
     <p:spTree>
@@ -4361,7 +4343,7 @@
             </a:br>
             <a:r>
               <a:rPr lang="en-US" sz="2000" dirty="0"/>
-              <a:t>Sale trends are similar amongst the different performance and when compared to the graph with all stores.</a:t>
+              <a:t>Sale trends are similar amongst the different performance levels and when compared to the graph with all stores.</a:t>
             </a:r>
             <a:br>
               <a:rPr lang="en-US" sz="2000" dirty="0"/>
@@ -4461,7 +4443,7 @@
 </p:sld>
 </file>
 
-<file path=ppt/slides/slide16.xml><?xml version="1.0" encoding="utf-8"?>
+<file path=ppt/slides/slide15.xml><?xml version="1.0" encoding="utf-8"?>
 <p:sld xmlns:a="http://schemas.openxmlformats.org/drawingml/2006/main" xmlns:r="http://schemas.openxmlformats.org/officeDocument/2006/relationships" xmlns:p="http://schemas.openxmlformats.org/presentationml/2006/main">
   <p:cSld>
     <p:spTree>
@@ -4513,7 +4495,7 @@
             </a:br>
             <a:r>
               <a:rPr lang="en-US" sz="2000" dirty="0"/>
-              <a:t>Fuel price does not have a significant affect on weekly sales.</a:t>
+              <a:t>Temperature does not have a significant effect on weekly sales.</a:t>
             </a:r>
             <a:br>
               <a:rPr lang="en-US" sz="2000" dirty="0"/>
@@ -4607,7 +4589,7 @@
 </p:sld>
 </file>
 
-<file path=ppt/slides/slide17.xml><?xml version="1.0" encoding="utf-8"?>
+<file path=ppt/slides/slide16.xml><?xml version="1.0" encoding="utf-8"?>
 <p:sld xmlns:a="http://schemas.openxmlformats.org/drawingml/2006/main" xmlns:r="http://schemas.openxmlformats.org/officeDocument/2006/relationships" xmlns:p="http://schemas.openxmlformats.org/presentationml/2006/main">
   <p:cSld>
     <p:spTree>
@@ -4659,7 +4641,7 @@
             </a:br>
             <a:r>
               <a:rPr lang="en-US" sz="2000" dirty="0"/>
-              <a:t>Sale trends are similar amongst the different performance and when compared to the graph with all stores.</a:t>
+              <a:t>Sale trends are similar amongst the different performance levels and when compared to the graph with all stores.</a:t>
             </a:r>
             <a:br>
               <a:rPr lang="en-US" sz="2000" dirty="0"/>
@@ -4759,7 +4741,7 @@
 </p:sld>
 </file>
 
-<file path=ppt/slides/slide18.xml><?xml version="1.0" encoding="utf-8"?>
+<file path=ppt/slides/slide17.xml><?xml version="1.0" encoding="utf-8"?>
 <p:sld xmlns:a="http://schemas.openxmlformats.org/drawingml/2006/main" xmlns:r="http://schemas.openxmlformats.org/officeDocument/2006/relationships" xmlns:p="http://schemas.openxmlformats.org/presentationml/2006/main">
   <p:cSld>
     <p:spTree>
@@ -4811,7 +4793,27 @@
             </a:br>
             <a:r>
               <a:rPr lang="en-US" sz="1800" dirty="0"/>
-              <a:t>The data shows a steady increase in the average CPI during the three-year period, starting at about 168 in February 2010 and reaching about 176 in Oct 2012 – an almost 5% increase. However, total sales maintain a steady pattern. Increasing CPI indicates increasing inflation, meaning Walmart might have increased prices. With revenue stagnant and prices higher, this would indicate that less products are being sold.</a:t>
+              <a:t>Steady increase in the average CPI during the three-year period, starting at about 168 in February 2010 and reaching about 176 in Oct 2012 – an almost 5% increase. </a:t>
+            </a:r>
+            <a:br>
+              <a:rPr lang="en-US" sz="1800" dirty="0"/>
+            </a:br>
+            <a:br>
+              <a:rPr lang="en-US" sz="1800" dirty="0"/>
+            </a:br>
+            <a:r>
+              <a:rPr lang="en-US" sz="1800" dirty="0"/>
+              <a:t>Total sales maintain a steady pattern. </a:t>
+            </a:r>
+            <a:br>
+              <a:rPr lang="en-US" sz="1800" dirty="0"/>
+            </a:br>
+            <a:br>
+              <a:rPr lang="en-US" sz="1800" dirty="0"/>
+            </a:br>
+            <a:r>
+              <a:rPr lang="en-US" sz="1800" dirty="0"/>
+              <a:t>With revenue stagnant and prices higher, this would indicate that less products are being sold.</a:t>
             </a:r>
           </a:p>
         </p:txBody>
@@ -4865,6 +4867,168 @@
 </p:sld>
 </file>
 
+<file path=ppt/slides/slide18.xml><?xml version="1.0" encoding="utf-8"?>
+<p:sld xmlns:a="http://schemas.openxmlformats.org/drawingml/2006/main" xmlns:r="http://schemas.openxmlformats.org/officeDocument/2006/relationships" xmlns:p="http://schemas.openxmlformats.org/presentationml/2006/main">
+  <p:cSld>
+    <p:spTree>
+      <p:nvGrpSpPr>
+        <p:cNvPr id="1" name=""/>
+        <p:cNvGrpSpPr/>
+        <p:nvPr/>
+      </p:nvGrpSpPr>
+      <p:grpSpPr>
+        <a:xfrm>
+          <a:off x="0" y="0"/>
+          <a:ext cx="0" cy="0"/>
+          <a:chOff x="0" y="0"/>
+          <a:chExt cx="0" cy="0"/>
+        </a:xfrm>
+      </p:grpSpPr>
+      <p:sp>
+        <p:nvSpPr>
+          <p:cNvPr id="2" name="Title 1">
+            <a:extLst>
+              <a:ext uri="{FF2B5EF4-FFF2-40B4-BE49-F238E27FC236}">
+                <a16:creationId xmlns:a16="http://schemas.microsoft.com/office/drawing/2014/main" id="{29DAA200-CD9E-B0D5-B03D-767EB0AB1CCD}"/>
+              </a:ext>
+            </a:extLst>
+          </p:cNvPr>
+          <p:cNvSpPr>
+            <a:spLocks noGrp="1"/>
+          </p:cNvSpPr>
+          <p:nvPr>
+            <p:ph type="title"/>
+          </p:nvPr>
+        </p:nvSpPr>
+        <p:spPr/>
+        <p:txBody>
+          <a:bodyPr>
+            <a:normAutofit fontScale="90000"/>
+          </a:bodyPr>
+          <a:lstStyle/>
+          <a:p>
+            <a:r>
+              <a:rPr lang="en-US" dirty="0"/>
+              <a:t>Unemployment</a:t>
+            </a:r>
+            <a:br>
+              <a:rPr lang="en-US" sz="2000" dirty="0"/>
+            </a:br>
+            <a:br>
+              <a:rPr lang="en-US" sz="2000" dirty="0"/>
+            </a:br>
+            <a:r>
+              <a:rPr lang="en-US" sz="2000" dirty="0"/>
+              <a:t>The unemployment rate has little affect on sales.</a:t>
+            </a:r>
+            <a:br>
+              <a:rPr lang="en-US" sz="2000" dirty="0"/>
+            </a:br>
+            <a:br>
+              <a:rPr lang="en-US" sz="2000" dirty="0"/>
+            </a:br>
+            <a:r>
+              <a:rPr lang="en-US" sz="2000" dirty="0"/>
+              <a:t>Spike increase in the first graph at 3-4% is caused by the high performing stores being the only group with that unemployment rate.</a:t>
+            </a:r>
+            <a:br>
+              <a:rPr lang="en-US" sz="2000" dirty="0"/>
+            </a:br>
+            <a:br>
+              <a:rPr lang="en-US" sz="2000" dirty="0"/>
+            </a:br>
+            <a:r>
+              <a:rPr lang="en-US" sz="2000" dirty="0"/>
+              <a:t>High performing stores do not have unemployment rates greater than 10%. This might indicate that the high performing stores are in more affluent areas.</a:t>
+            </a:r>
+          </a:p>
+        </p:txBody>
+      </p:sp>
+      <p:pic>
+        <p:nvPicPr>
+          <p:cNvPr id="4" name="Picture 3" descr="A graph showing the growth of unemployment rate&#10;&#10;Description automatically generated">
+            <a:extLst>
+              <a:ext uri="{FF2B5EF4-FFF2-40B4-BE49-F238E27FC236}">
+                <a16:creationId xmlns:a16="http://schemas.microsoft.com/office/drawing/2014/main" id="{2B985D6A-87C6-5D3E-5DE9-CDA0B87F9641}"/>
+              </a:ext>
+            </a:extLst>
+          </p:cNvPr>
+          <p:cNvPicPr>
+            <a:picLocks noChangeAspect="1"/>
+          </p:cNvPicPr>
+          <p:nvPr/>
+        </p:nvPicPr>
+        <p:blipFill>
+          <a:blip r:embed="rId2">
+            <a:extLst>
+              <a:ext uri="{28A0092B-C50C-407E-A947-70E740481C1C}">
+                <a14:useLocalDpi xmlns:a14="http://schemas.microsoft.com/office/drawing/2010/main" val="0"/>
+              </a:ext>
+            </a:extLst>
+          </a:blip>
+          <a:stretch>
+            <a:fillRect/>
+          </a:stretch>
+        </p:blipFill>
+        <p:spPr>
+          <a:xfrm>
+            <a:off x="4578373" y="50537"/>
+            <a:ext cx="5629364" cy="3303865"/>
+          </a:xfrm>
+          <a:prstGeom prst="rect">
+            <a:avLst/>
+          </a:prstGeom>
+        </p:spPr>
+      </p:pic>
+      <p:pic>
+        <p:nvPicPr>
+          <p:cNvPr id="6" name="Picture 5" descr="A graph of a graph showing the amount of unemployment rate&#10;&#10;Description automatically generated with medium confidence">
+            <a:extLst>
+              <a:ext uri="{FF2B5EF4-FFF2-40B4-BE49-F238E27FC236}">
+                <a16:creationId xmlns:a16="http://schemas.microsoft.com/office/drawing/2014/main" id="{D451BB5A-DFA7-DBB7-57DD-3662A9F3DD57}"/>
+              </a:ext>
+            </a:extLst>
+          </p:cNvPr>
+          <p:cNvPicPr>
+            <a:picLocks noChangeAspect="1"/>
+          </p:cNvPicPr>
+          <p:nvPr/>
+        </p:nvPicPr>
+        <p:blipFill>
+          <a:blip r:embed="rId3">
+            <a:extLst>
+              <a:ext uri="{28A0092B-C50C-407E-A947-70E740481C1C}">
+                <a14:useLocalDpi xmlns:a14="http://schemas.microsoft.com/office/drawing/2010/main" val="0"/>
+              </a:ext>
+            </a:extLst>
+          </a:blip>
+          <a:stretch>
+            <a:fillRect/>
+          </a:stretch>
+        </p:blipFill>
+        <p:spPr>
+          <a:xfrm>
+            <a:off x="4578372" y="3429000"/>
+            <a:ext cx="5629365" cy="3276907"/>
+          </a:xfrm>
+          <a:prstGeom prst="rect">
+            <a:avLst/>
+          </a:prstGeom>
+        </p:spPr>
+      </p:pic>
+    </p:spTree>
+    <p:extLst>
+      <p:ext uri="{BB962C8B-B14F-4D97-AF65-F5344CB8AC3E}">
+        <p14:creationId xmlns:p14="http://schemas.microsoft.com/office/powerpoint/2010/main" val="3954994509"/>
+      </p:ext>
+    </p:extLst>
+  </p:cSld>
+  <p:clrMapOvr>
+    <a:masterClrMapping/>
+  </p:clrMapOvr>
+</p:sld>
+</file>
+
 <file path=ppt/slides/slide19.xml><?xml version="1.0" encoding="utf-8"?>
 <p:sld xmlns:a="http://schemas.openxmlformats.org/drawingml/2006/main" xmlns:r="http://schemas.openxmlformats.org/officeDocument/2006/relationships" xmlns:p="http://schemas.openxmlformats.org/presentationml/2006/main">
   <p:cSld>
@@ -4887,7 +5051,7 @@
           <p:cNvPr id="2" name="Title 1">
             <a:extLst>
               <a:ext uri="{FF2B5EF4-FFF2-40B4-BE49-F238E27FC236}">
-                <a16:creationId xmlns:a16="http://schemas.microsoft.com/office/drawing/2014/main" id="{D76B971D-8B9B-44CA-88AA-152727107946}"/>
+                <a16:creationId xmlns:a16="http://schemas.microsoft.com/office/drawing/2014/main" id="{3A85E323-F0CF-2215-55BE-378A2EB110E2}"/>
               </a:ext>
             </a:extLst>
           </p:cNvPr>
@@ -4895,171 +5059,25 @@
             <a:spLocks noGrp="1"/>
           </p:cNvSpPr>
           <p:nvPr>
-            <p:ph type="title"/>
+            <p:ph type="ctrTitle"/>
           </p:nvPr>
         </p:nvSpPr>
         <p:spPr/>
         <p:txBody>
-          <a:bodyPr>
-            <a:normAutofit/>
-          </a:bodyPr>
-          <a:lstStyle/>
-          <a:p>
-            <a:r>
-              <a:rPr lang="en-US" sz="2000" dirty="0"/>
-              <a:t>Consumer Price Index (CPI)</a:t>
-            </a:r>
-          </a:p>
-        </p:txBody>
-      </p:sp>
-      <p:pic>
-        <p:nvPicPr>
-          <p:cNvPr id="4" name="Picture 3" descr="A graph of sales&#10;&#10;Description automatically generated">
-            <a:extLst>
-              <a:ext uri="{FF2B5EF4-FFF2-40B4-BE49-F238E27FC236}">
-                <a16:creationId xmlns:a16="http://schemas.microsoft.com/office/drawing/2014/main" id="{30771E30-DB2E-FC31-1614-D4560C081D82}"/>
-              </a:ext>
-            </a:extLst>
-          </p:cNvPr>
-          <p:cNvPicPr>
-            <a:picLocks noChangeAspect="1"/>
-          </p:cNvPicPr>
-          <p:nvPr/>
-        </p:nvPicPr>
-        <p:blipFill>
-          <a:blip r:embed="rId2">
-            <a:extLst>
-              <a:ext uri="{28A0092B-C50C-407E-A947-70E740481C1C}">
-                <a14:useLocalDpi xmlns:a14="http://schemas.microsoft.com/office/drawing/2010/main" val="0"/>
-              </a:ext>
-            </a:extLst>
-          </a:blip>
-          <a:stretch>
-            <a:fillRect/>
-          </a:stretch>
-        </p:blipFill>
-        <p:spPr>
-          <a:xfrm>
-            <a:off x="3292146" y="445523"/>
-            <a:ext cx="4394934" cy="2474026"/>
-          </a:xfrm>
-          <a:prstGeom prst="rect">
-            <a:avLst/>
-          </a:prstGeom>
-        </p:spPr>
-      </p:pic>
-      <p:pic>
-        <p:nvPicPr>
-          <p:cNvPr id="6" name="Picture 5" descr="A graph with red lines and numbers&#10;&#10;Description automatically generated">
-            <a:extLst>
-              <a:ext uri="{FF2B5EF4-FFF2-40B4-BE49-F238E27FC236}">
-                <a16:creationId xmlns:a16="http://schemas.microsoft.com/office/drawing/2014/main" id="{4E85DE1F-15D0-F9FE-8207-D0240A798418}"/>
-              </a:ext>
-            </a:extLst>
-          </p:cNvPr>
-          <p:cNvPicPr>
-            <a:picLocks noChangeAspect="1"/>
-          </p:cNvPicPr>
-          <p:nvPr/>
-        </p:nvPicPr>
-        <p:blipFill>
-          <a:blip r:embed="rId3">
-            <a:extLst>
-              <a:ext uri="{28A0092B-C50C-407E-A947-70E740481C1C}">
-                <a14:useLocalDpi xmlns:a14="http://schemas.microsoft.com/office/drawing/2010/main" val="0"/>
-              </a:ext>
-            </a:extLst>
-          </a:blip>
-          <a:stretch>
-            <a:fillRect/>
-          </a:stretch>
-        </p:blipFill>
-        <p:spPr>
-          <a:xfrm>
-            <a:off x="7716103" y="445522"/>
-            <a:ext cx="4394934" cy="2474026"/>
-          </a:xfrm>
-          <a:prstGeom prst="rect">
-            <a:avLst/>
-          </a:prstGeom>
-        </p:spPr>
-      </p:pic>
-      <p:pic>
-        <p:nvPicPr>
-          <p:cNvPr id="8" name="Picture 7" descr="A graph with a red line&#10;&#10;Description automatically generated">
-            <a:extLst>
-              <a:ext uri="{FF2B5EF4-FFF2-40B4-BE49-F238E27FC236}">
-                <a16:creationId xmlns:a16="http://schemas.microsoft.com/office/drawing/2014/main" id="{25F38AB3-5690-9888-9B40-FA05A9209B16}"/>
-              </a:ext>
-            </a:extLst>
-          </p:cNvPr>
-          <p:cNvPicPr>
-            <a:picLocks noChangeAspect="1"/>
-          </p:cNvPicPr>
-          <p:nvPr/>
-        </p:nvPicPr>
-        <p:blipFill>
-          <a:blip r:embed="rId4">
-            <a:extLst>
-              <a:ext uri="{28A0092B-C50C-407E-A947-70E740481C1C}">
-                <a14:useLocalDpi xmlns:a14="http://schemas.microsoft.com/office/drawing/2010/main" val="0"/>
-              </a:ext>
-            </a:extLst>
-          </a:blip>
-          <a:stretch>
-            <a:fillRect/>
-          </a:stretch>
-        </p:blipFill>
-        <p:spPr>
-          <a:xfrm>
-            <a:off x="3292146" y="3249121"/>
-            <a:ext cx="4394934" cy="2458255"/>
-          </a:xfrm>
-          <a:prstGeom prst="rect">
-            <a:avLst/>
-          </a:prstGeom>
-        </p:spPr>
-      </p:pic>
-      <p:pic>
-        <p:nvPicPr>
-          <p:cNvPr id="10" name="Picture 9" descr="A graph of sales and a few other sales&#10;&#10;Description automatically generated with medium confidence">
-            <a:extLst>
-              <a:ext uri="{FF2B5EF4-FFF2-40B4-BE49-F238E27FC236}">
-                <a16:creationId xmlns:a16="http://schemas.microsoft.com/office/drawing/2014/main" id="{BEE9838B-CDC2-00C6-2B56-5B7A1ABFC022}"/>
-              </a:ext>
-            </a:extLst>
-          </p:cNvPr>
-          <p:cNvPicPr>
-            <a:picLocks noChangeAspect="1"/>
-          </p:cNvPicPr>
-          <p:nvPr/>
-        </p:nvPicPr>
-        <p:blipFill>
-          <a:blip r:embed="rId5">
-            <a:extLst>
-              <a:ext uri="{28A0092B-C50C-407E-A947-70E740481C1C}">
-                <a14:useLocalDpi xmlns:a14="http://schemas.microsoft.com/office/drawing/2010/main" val="0"/>
-              </a:ext>
-            </a:extLst>
-          </a:blip>
-          <a:stretch>
-            <a:fillRect/>
-          </a:stretch>
-        </p:blipFill>
-        <p:spPr>
-          <a:xfrm>
-            <a:off x="7716103" y="3249122"/>
-            <a:ext cx="4394934" cy="2475898"/>
-          </a:xfrm>
-          <a:prstGeom prst="rect">
-            <a:avLst/>
-          </a:prstGeom>
-        </p:spPr>
-      </p:pic>
+          <a:bodyPr/>
+          <a:lstStyle/>
+          <a:p>
+            <a:r>
+              <a:rPr lang="en-US" dirty="0"/>
+              <a:t>Conclusions</a:t>
+            </a:r>
+          </a:p>
+        </p:txBody>
+      </p:sp>
     </p:spTree>
     <p:extLst>
       <p:ext uri="{BB962C8B-B14F-4D97-AF65-F5344CB8AC3E}">
-        <p14:creationId xmlns:p14="http://schemas.microsoft.com/office/powerpoint/2010/main" val="2168812296"/>
+        <p14:creationId xmlns:p14="http://schemas.microsoft.com/office/powerpoint/2010/main" val="3363226128"/>
       </p:ext>
     </p:extLst>
   </p:cSld>
@@ -5185,7 +5203,7 @@
             </a:pPr>
             <a:r>
               <a:rPr lang="en-US" dirty="0"/>
-              <a:t>Which variables have an affect on sales?</a:t>
+              <a:t>Which variables have an effect on sales?</a:t>
             </a:r>
           </a:p>
           <a:p>
@@ -5195,7 +5213,7 @@
             </a:pPr>
             <a:r>
               <a:rPr lang="en-US" dirty="0"/>
-              <a:t>How much do holidays affect sales?</a:t>
+              <a:t>How much do holidays influence sales?</a:t>
             </a:r>
           </a:p>
         </p:txBody>
@@ -5235,7 +5253,7 @@
           <p:cNvPr id="2" name="Title 1">
             <a:extLst>
               <a:ext uri="{FF2B5EF4-FFF2-40B4-BE49-F238E27FC236}">
-                <a16:creationId xmlns:a16="http://schemas.microsoft.com/office/drawing/2014/main" id="{29DAA200-CD9E-B0D5-B03D-767EB0AB1CCD}"/>
+                <a16:creationId xmlns:a16="http://schemas.microsoft.com/office/drawing/2014/main" id="{3839FA90-1D1C-1E0A-169C-7508B2BBFECF}"/>
               </a:ext>
             </a:extLst>
           </p:cNvPr>
@@ -5249,103 +5267,91 @@
         <p:spPr/>
         <p:txBody>
           <a:bodyPr>
-            <a:normAutofit fontScale="90000"/>
+            <a:normAutofit/>
           </a:bodyPr>
           <a:lstStyle/>
           <a:p>
             <a:r>
-              <a:rPr lang="en-US" dirty="0"/>
-              <a:t>Unemployment</a:t>
-            </a:r>
-            <a:br>
-              <a:rPr lang="en-US" sz="2000" dirty="0"/>
-            </a:br>
-            <a:br>
-              <a:rPr lang="en-US" sz="2000" dirty="0"/>
-            </a:br>
-            <a:r>
-              <a:rPr lang="en-US" sz="2000" dirty="0"/>
-              <a:t>The unemployment rate has little affect on sales. We can see from comparing the two graphs that the reason for the spike increase in the first graph at 3-4% is caused by the high performing stores being the only group with that unemployment rate. It is also important to note that the high performing stores also do not have unemployment rates greater than 10%, unlike they other groups. This might indicate that the high performing stores are in more affluent areas.</a:t>
-            </a:r>
-          </a:p>
-        </p:txBody>
-      </p:sp>
-      <p:pic>
-        <p:nvPicPr>
-          <p:cNvPr id="4" name="Picture 3" descr="A graph showing the growth of unemployment rate&#10;&#10;Description automatically generated">
+              <a:rPr lang="en-US" sz="2800" dirty="0"/>
+              <a:t>Recommendations</a:t>
+            </a:r>
+          </a:p>
+        </p:txBody>
+      </p:sp>
+      <p:sp>
+        <p:nvSpPr>
+          <p:cNvPr id="3" name="Content Placeholder 2">
             <a:extLst>
               <a:ext uri="{FF2B5EF4-FFF2-40B4-BE49-F238E27FC236}">
-                <a16:creationId xmlns:a16="http://schemas.microsoft.com/office/drawing/2014/main" id="{2B985D6A-87C6-5D3E-5DE9-CDA0B87F9641}"/>
+                <a16:creationId xmlns:a16="http://schemas.microsoft.com/office/drawing/2014/main" id="{E3E1ED49-DA35-90FF-83B3-8C4805C734FB}"/>
               </a:ext>
             </a:extLst>
           </p:cNvPr>
-          <p:cNvPicPr>
-            <a:picLocks noChangeAspect="1"/>
-          </p:cNvPicPr>
-          <p:nvPr/>
-        </p:nvPicPr>
-        <p:blipFill>
-          <a:blip r:embed="rId2">
-            <a:extLst>
-              <a:ext uri="{28A0092B-C50C-407E-A947-70E740481C1C}">
-                <a14:useLocalDpi xmlns:a14="http://schemas.microsoft.com/office/drawing/2010/main" val="0"/>
-              </a:ext>
-            </a:extLst>
-          </a:blip>
-          <a:stretch>
-            <a:fillRect/>
-          </a:stretch>
-        </p:blipFill>
-        <p:spPr>
-          <a:xfrm>
-            <a:off x="4578373" y="50537"/>
-            <a:ext cx="5629364" cy="3303865"/>
-          </a:xfrm>
-          <a:prstGeom prst="rect">
-            <a:avLst/>
-          </a:prstGeom>
-        </p:spPr>
-      </p:pic>
-      <p:pic>
-        <p:nvPicPr>
-          <p:cNvPr id="6" name="Picture 5" descr="A graph of a graph showing the amount of unemployment rate&#10;&#10;Description automatically generated with medium confidence">
-            <a:extLst>
-              <a:ext uri="{FF2B5EF4-FFF2-40B4-BE49-F238E27FC236}">
-                <a16:creationId xmlns:a16="http://schemas.microsoft.com/office/drawing/2014/main" id="{D451BB5A-DFA7-DBB7-57DD-3662A9F3DD57}"/>
-              </a:ext>
-            </a:extLst>
-          </p:cNvPr>
-          <p:cNvPicPr>
-            <a:picLocks noChangeAspect="1"/>
-          </p:cNvPicPr>
-          <p:nvPr/>
-        </p:nvPicPr>
-        <p:blipFill>
-          <a:blip r:embed="rId3">
-            <a:extLst>
-              <a:ext uri="{28A0092B-C50C-407E-A947-70E740481C1C}">
-                <a14:useLocalDpi xmlns:a14="http://schemas.microsoft.com/office/drawing/2010/main" val="0"/>
-              </a:ext>
-            </a:extLst>
-          </a:blip>
-          <a:stretch>
-            <a:fillRect/>
-          </a:stretch>
-        </p:blipFill>
-        <p:spPr>
-          <a:xfrm>
-            <a:off x="4578372" y="3429000"/>
-            <a:ext cx="5629365" cy="3276907"/>
-          </a:xfrm>
-          <a:prstGeom prst="rect">
-            <a:avLst/>
-          </a:prstGeom>
-        </p:spPr>
-      </p:pic>
+          <p:cNvSpPr>
+            <a:spLocks noGrp="1"/>
+          </p:cNvSpPr>
+          <p:nvPr>
+            <p:ph idx="1"/>
+          </p:nvPr>
+        </p:nvSpPr>
+        <p:spPr/>
+        <p:txBody>
+          <a:bodyPr>
+            <a:normAutofit/>
+          </a:bodyPr>
+          <a:lstStyle/>
+          <a:p>
+            <a:endParaRPr lang="en-US" dirty="0"/>
+          </a:p>
+          <a:p>
+            <a:r>
+              <a:rPr lang="en-US" sz="1900" dirty="0"/>
+              <a:t>Low performing stores should focus on trying to increase sales during the holidays.</a:t>
+            </a:r>
+          </a:p>
+          <a:p>
+            <a:r>
+              <a:rPr lang="en-US" sz="1900" dirty="0"/>
+              <a:t>Low performing stores should take strategies from Mid-Low performing stores as these stores performed similarly and had the highest holiday percentage difference.</a:t>
+            </a:r>
+          </a:p>
+          <a:p>
+            <a:pPr lvl="1"/>
+            <a:r>
+              <a:rPr lang="en-US" sz="1900" dirty="0"/>
+              <a:t>If low performing stores were able to close the percentage gap, holiday weeks would generate an extra $38,163 on average. </a:t>
+            </a:r>
+          </a:p>
+          <a:p>
+            <a:r>
+              <a:rPr lang="en-US" sz="1900" dirty="0"/>
+              <a:t>Walmart should monitor the Consumer Price Index as it might be the cause of stagnating revenue. Walmart might want to consider increasing prices, cutting costs, or changing marketing tactics.</a:t>
+            </a:r>
+          </a:p>
+          <a:p>
+            <a:r>
+              <a:rPr lang="en-US" sz="1900" dirty="0"/>
+              <a:t>Walmart should not take temperature or fuel price into serious account when determining prices.</a:t>
+            </a:r>
+          </a:p>
+          <a:p>
+            <a:r>
+              <a:rPr lang="en-US" sz="1900" dirty="0"/>
+              <a:t>Walmart should consider loyalty programs to change consumer buying habits to increase sales, specifically for the lower performing stores.</a:t>
+            </a:r>
+          </a:p>
+          <a:p>
+            <a:endParaRPr lang="en-US" dirty="0"/>
+          </a:p>
+          <a:p>
+            <a:endParaRPr lang="en-US" dirty="0"/>
+          </a:p>
+        </p:txBody>
+      </p:sp>
     </p:spTree>
     <p:extLst>
       <p:ext uri="{BB962C8B-B14F-4D97-AF65-F5344CB8AC3E}">
-        <p14:creationId xmlns:p14="http://schemas.microsoft.com/office/powerpoint/2010/main" val="3954994509"/>
+        <p14:creationId xmlns:p14="http://schemas.microsoft.com/office/powerpoint/2010/main" val="734287227"/>
       </p:ext>
     </p:extLst>
   </p:cSld>
@@ -5377,7 +5383,7 @@
           <p:cNvPr id="2" name="Title 1">
             <a:extLst>
               <a:ext uri="{FF2B5EF4-FFF2-40B4-BE49-F238E27FC236}">
-                <a16:creationId xmlns:a16="http://schemas.microsoft.com/office/drawing/2014/main" id="{3A85E323-F0CF-2215-55BE-378A2EB110E2}"/>
+                <a16:creationId xmlns:a16="http://schemas.microsoft.com/office/drawing/2014/main" id="{DD97F63D-6529-E85D-19A4-E280ECB72D43}"/>
               </a:ext>
             </a:extLst>
           </p:cNvPr>
@@ -5385,7 +5391,7 @@
             <a:spLocks noGrp="1"/>
           </p:cNvSpPr>
           <p:nvPr>
-            <p:ph type="ctrTitle"/>
+            <p:ph type="title"/>
           </p:nvPr>
         </p:nvSpPr>
         <p:spPr/>
@@ -5395,17 +5401,17 @@
           <a:p>
             <a:r>
               <a:rPr lang="en-US" dirty="0"/>
-              <a:t>Conclusions</a:t>
-            </a:r>
-          </a:p>
-        </p:txBody>
-      </p:sp>
-      <p:sp>
-        <p:nvSpPr>
-          <p:cNvPr id="3" name="Subtitle 2">
+              <a:t>Future Analysis</a:t>
+            </a:r>
+          </a:p>
+        </p:txBody>
+      </p:sp>
+      <p:sp>
+        <p:nvSpPr>
+          <p:cNvPr id="3" name="Content Placeholder 2">
             <a:extLst>
               <a:ext uri="{FF2B5EF4-FFF2-40B4-BE49-F238E27FC236}">
-                <a16:creationId xmlns:a16="http://schemas.microsoft.com/office/drawing/2014/main" id="{84CCDA32-2F94-72AD-4751-5DBA4FC605E9}"/>
+                <a16:creationId xmlns:a16="http://schemas.microsoft.com/office/drawing/2014/main" id="{660B0CE7-B0E9-7837-8974-C5D5393037BD}"/>
               </a:ext>
             </a:extLst>
           </p:cNvPr>
@@ -5413,7 +5419,7 @@
             <a:spLocks noGrp="1"/>
           </p:cNvSpPr>
           <p:nvPr>
-            <p:ph type="subTitle" idx="1"/>
+            <p:ph idx="1"/>
           </p:nvPr>
         </p:nvSpPr>
         <p:spPr/>
@@ -5421,14 +5427,32 @@
           <a:bodyPr/>
           <a:lstStyle/>
           <a:p>
-            <a:endParaRPr lang="en-US"/>
+            <a:r>
+              <a:rPr lang="en-US" dirty="0"/>
+              <a:t>Location data for the stores and census data for their surrounding areas might help provide more insight into the disparity of the different performing stores.</a:t>
+            </a:r>
+          </a:p>
+          <a:p>
+            <a:r>
+              <a:rPr lang="en-US" dirty="0"/>
+              <a:t>Since the dataset ends in October 2012, it could be helpful to use a machine learning algorithm to help predict future weekly sales going into 2013. This could also help potentially see the effects of the Consumer Price Index if it were to continue to increase.</a:t>
+            </a:r>
+          </a:p>
+          <a:p>
+            <a:r>
+              <a:rPr lang="en-US" dirty="0"/>
+              <a:t>While temperature did not have a significant effect on sales data, weather data would be worth analyzing, especially where stores are prone to inclement weather.</a:t>
+            </a:r>
+          </a:p>
+          <a:p>
+            <a:endParaRPr lang="en-US" dirty="0"/>
           </a:p>
         </p:txBody>
       </p:sp>
     </p:spTree>
     <p:extLst>
       <p:ext uri="{BB962C8B-B14F-4D97-AF65-F5344CB8AC3E}">
-        <p14:creationId xmlns:p14="http://schemas.microsoft.com/office/powerpoint/2010/main" val="3363226128"/>
+        <p14:creationId xmlns:p14="http://schemas.microsoft.com/office/powerpoint/2010/main" val="2597208714"/>
       </p:ext>
     </p:extLst>
   </p:cSld>
@@ -5460,7 +5484,7 @@
           <p:cNvPr id="2" name="Title 1">
             <a:extLst>
               <a:ext uri="{FF2B5EF4-FFF2-40B4-BE49-F238E27FC236}">
-                <a16:creationId xmlns:a16="http://schemas.microsoft.com/office/drawing/2014/main" id="{3839FA90-1D1C-1E0A-169C-7508B2BBFECF}"/>
+                <a16:creationId xmlns:a16="http://schemas.microsoft.com/office/drawing/2014/main" id="{3A85E323-F0CF-2215-55BE-378A2EB110E2}"/>
               </a:ext>
             </a:extLst>
           </p:cNvPr>
@@ -5468,76 +5492,25 @@
             <a:spLocks noGrp="1"/>
           </p:cNvSpPr>
           <p:nvPr>
-            <p:ph type="title"/>
+            <p:ph type="ctrTitle"/>
           </p:nvPr>
         </p:nvSpPr>
         <p:spPr/>
         <p:txBody>
-          <a:bodyPr>
-            <a:normAutofit/>
-          </a:bodyPr>
-          <a:lstStyle/>
-          <a:p>
-            <a:r>
-              <a:rPr lang="en-US" sz="2800" dirty="0"/>
-              <a:t>Recommendations</a:t>
-            </a:r>
-          </a:p>
-        </p:txBody>
-      </p:sp>
-      <p:sp>
-        <p:nvSpPr>
-          <p:cNvPr id="3" name="Content Placeholder 2">
-            <a:extLst>
-              <a:ext uri="{FF2B5EF4-FFF2-40B4-BE49-F238E27FC236}">
-                <a16:creationId xmlns:a16="http://schemas.microsoft.com/office/drawing/2014/main" id="{E3E1ED49-DA35-90FF-83B3-8C4805C734FB}"/>
-              </a:ext>
-            </a:extLst>
-          </p:cNvPr>
-          <p:cNvSpPr>
-            <a:spLocks noGrp="1"/>
-          </p:cNvSpPr>
-          <p:nvPr>
-            <p:ph idx="1"/>
-          </p:nvPr>
-        </p:nvSpPr>
-        <p:spPr/>
-        <p:txBody>
           <a:bodyPr/>
           <a:lstStyle/>
           <a:p>
             <a:r>
               <a:rPr lang="en-US" dirty="0"/>
-              <a:t>Low performing stores should focus on trying to increase sales during the holidays – specifically Thanksgiving and Christmas – as their sales performance, when compared to non-holiday weeks, was much weaker than higher performing stores.</a:t>
-            </a:r>
-          </a:p>
-          <a:p>
-            <a:r>
-              <a:rPr lang="en-US" dirty="0"/>
-              <a:t>Walmart should not take temperature or fuel price into serious account when determining prices.</a:t>
-            </a:r>
-          </a:p>
-          <a:p>
-            <a:r>
-              <a:rPr lang="en-US" dirty="0"/>
-              <a:t>Walmart should monitor the Consumer Price Index as it might be the cause of stagnating revenue. Indicators show a possible continued increase of inflation. Walmart might want to consider increasing prices, cutting costs, or changing marketing tactics.</a:t>
-            </a:r>
-          </a:p>
-          <a:p>
-            <a:endParaRPr lang="en-US" dirty="0"/>
-          </a:p>
-          <a:p>
-            <a:endParaRPr lang="en-US" dirty="0"/>
-          </a:p>
-          <a:p>
-            <a:endParaRPr lang="en-US" dirty="0"/>
+              <a:t>Appendix</a:t>
+            </a:r>
           </a:p>
         </p:txBody>
       </p:sp>
     </p:spTree>
     <p:extLst>
       <p:ext uri="{BB962C8B-B14F-4D97-AF65-F5344CB8AC3E}">
-        <p14:creationId xmlns:p14="http://schemas.microsoft.com/office/powerpoint/2010/main" val="734287227"/>
+        <p14:creationId xmlns:p14="http://schemas.microsoft.com/office/powerpoint/2010/main" val="4190694621"/>
       </p:ext>
     </p:extLst>
   </p:cSld>
@@ -5569,7 +5542,7 @@
           <p:cNvPr id="2" name="Title 1">
             <a:extLst>
               <a:ext uri="{FF2B5EF4-FFF2-40B4-BE49-F238E27FC236}">
-                <a16:creationId xmlns:a16="http://schemas.microsoft.com/office/drawing/2014/main" id="{DD97F63D-6529-E85D-19A4-E280ECB72D43}"/>
+                <a16:creationId xmlns:a16="http://schemas.microsoft.com/office/drawing/2014/main" id="{3D76B025-5812-B7A2-6282-C9B12DCC9589}"/>
               </a:ext>
             </a:extLst>
           </p:cNvPr>
@@ -5582,60 +5555,390 @@
         </p:nvSpPr>
         <p:spPr/>
         <p:txBody>
-          <a:bodyPr/>
-          <a:lstStyle/>
-          <a:p>
-            <a:r>
-              <a:rPr lang="en-US" dirty="0"/>
-              <a:t>Future Analysis</a:t>
-            </a:r>
-          </a:p>
-        </p:txBody>
-      </p:sp>
-      <p:sp>
-        <p:nvSpPr>
-          <p:cNvPr id="3" name="Content Placeholder 2">
+          <a:bodyPr>
+            <a:normAutofit/>
+          </a:bodyPr>
+          <a:lstStyle/>
+          <a:p>
+            <a:r>
+              <a:rPr lang="en-US" sz="3000" dirty="0"/>
+              <a:t>Sales Around the Holidays</a:t>
+            </a:r>
+            <a:br>
+              <a:rPr lang="en-US" sz="2000" dirty="0"/>
+            </a:br>
+            <a:br>
+              <a:rPr lang="en-US" sz="2000" dirty="0"/>
+            </a:br>
+            <a:r>
+              <a:rPr lang="en-US" sz="2000" dirty="0"/>
+              <a:t>The data further reinforces the conclusions made from the graph with data from all stores.</a:t>
+            </a:r>
+            <a:br>
+              <a:rPr lang="en-US" sz="2000" dirty="0"/>
+            </a:br>
+            <a:br>
+              <a:rPr lang="en-US" sz="2000" dirty="0"/>
+            </a:br>
+            <a:r>
+              <a:rPr lang="en-US" sz="2000" dirty="0"/>
+              <a:t>There are no significant differences between the different levels of performance.</a:t>
+            </a:r>
+          </a:p>
+        </p:txBody>
+      </p:sp>
+      <p:pic>
+        <p:nvPicPr>
+          <p:cNvPr id="4" name="Picture 3" descr="A graph of sales&#10;&#10;Description automatically generated">
             <a:extLst>
               <a:ext uri="{FF2B5EF4-FFF2-40B4-BE49-F238E27FC236}">
-                <a16:creationId xmlns:a16="http://schemas.microsoft.com/office/drawing/2014/main" id="{660B0CE7-B0E9-7837-8974-C5D5393037BD}"/>
+                <a16:creationId xmlns:a16="http://schemas.microsoft.com/office/drawing/2014/main" id="{CA92DD50-A60C-1042-2AB8-BA3CF4916E90}"/>
               </a:ext>
             </a:extLst>
           </p:cNvPr>
-          <p:cNvSpPr>
-            <a:spLocks noGrp="1"/>
-          </p:cNvSpPr>
-          <p:nvPr>
-            <p:ph idx="1"/>
-          </p:nvPr>
-        </p:nvSpPr>
-        <p:spPr/>
-        <p:txBody>
-          <a:bodyPr/>
-          <a:lstStyle/>
-          <a:p>
-            <a:r>
-              <a:rPr lang="en-US" dirty="0"/>
-              <a:t>Location data for the stores and census data for their surrounding areas might help provide more insight into the disparity of the different performing stores. The unemployment rate indicates that store performance might partially be related to unemployment rate and therefore the surrounding economic standings.</a:t>
-            </a:r>
-          </a:p>
-          <a:p>
-            <a:r>
-              <a:rPr lang="en-US" dirty="0"/>
-              <a:t>Since the dataset ends in October 2012, it could be helpful to use a machine learning algorithm to help predict future weekly sales going into 2013. This could also help potentially see the effects of the Consumer Price Index if it were to continue to increase.</a:t>
-            </a:r>
-          </a:p>
-          <a:p>
-            <a:r>
-              <a:rPr lang="en-US" dirty="0"/>
-              <a:t>While temperature did not have a significant affect on sales data, weather data would be worth analyzing, especially where stores are prone to inclement weather.</a:t>
-            </a:r>
-          </a:p>
-        </p:txBody>
-      </p:sp>
+          <p:cNvPicPr>
+            <a:picLocks noChangeAspect="1"/>
+          </p:cNvPicPr>
+          <p:nvPr/>
+        </p:nvPicPr>
+        <p:blipFill>
+          <a:blip r:embed="rId2">
+            <a:extLst>
+              <a:ext uri="{28A0092B-C50C-407E-A947-70E740481C1C}">
+                <a14:useLocalDpi xmlns:a14="http://schemas.microsoft.com/office/drawing/2010/main" val="0"/>
+              </a:ext>
+            </a:extLst>
+          </a:blip>
+          <a:stretch>
+            <a:fillRect/>
+          </a:stretch>
+        </p:blipFill>
+        <p:spPr>
+          <a:xfrm>
+            <a:off x="2971461" y="259831"/>
+            <a:ext cx="4597800" cy="2056325"/>
+          </a:xfrm>
+          <a:prstGeom prst="rect">
+            <a:avLst/>
+          </a:prstGeom>
+        </p:spPr>
+      </p:pic>
+      <p:pic>
+        <p:nvPicPr>
+          <p:cNvPr id="6" name="Picture 5" descr="A graph of sales&#10;&#10;Description automatically generated">
+            <a:extLst>
+              <a:ext uri="{FF2B5EF4-FFF2-40B4-BE49-F238E27FC236}">
+                <a16:creationId xmlns:a16="http://schemas.microsoft.com/office/drawing/2014/main" id="{3B4A6CEE-15B3-D1DF-B2DA-8AE25FB96099}"/>
+              </a:ext>
+            </a:extLst>
+          </p:cNvPr>
+          <p:cNvPicPr>
+            <a:picLocks noChangeAspect="1"/>
+          </p:cNvPicPr>
+          <p:nvPr/>
+        </p:nvPicPr>
+        <p:blipFill>
+          <a:blip r:embed="rId3">
+            <a:extLst>
+              <a:ext uri="{28A0092B-C50C-407E-A947-70E740481C1C}">
+                <a14:useLocalDpi xmlns:a14="http://schemas.microsoft.com/office/drawing/2010/main" val="0"/>
+              </a:ext>
+            </a:extLst>
+          </a:blip>
+          <a:stretch>
+            <a:fillRect/>
+          </a:stretch>
+        </p:blipFill>
+        <p:spPr>
+          <a:xfrm>
+            <a:off x="7531693" y="259831"/>
+            <a:ext cx="4551449" cy="2056325"/>
+          </a:xfrm>
+          <a:prstGeom prst="rect">
+            <a:avLst/>
+          </a:prstGeom>
+        </p:spPr>
+      </p:pic>
+      <p:pic>
+        <p:nvPicPr>
+          <p:cNvPr id="8" name="Picture 7" descr="A graph of sales&#10;&#10;Description automatically generated">
+            <a:extLst>
+              <a:ext uri="{FF2B5EF4-FFF2-40B4-BE49-F238E27FC236}">
+                <a16:creationId xmlns:a16="http://schemas.microsoft.com/office/drawing/2014/main" id="{9D506D2F-FE0E-6008-EA2B-A7CD36E29649}"/>
+              </a:ext>
+            </a:extLst>
+          </p:cNvPr>
+          <p:cNvPicPr>
+            <a:picLocks noChangeAspect="1"/>
+          </p:cNvPicPr>
+          <p:nvPr/>
+        </p:nvPicPr>
+        <p:blipFill>
+          <a:blip r:embed="rId4">
+            <a:extLst>
+              <a:ext uri="{28A0092B-C50C-407E-A947-70E740481C1C}">
+                <a14:useLocalDpi xmlns:a14="http://schemas.microsoft.com/office/drawing/2010/main" val="0"/>
+              </a:ext>
+            </a:extLst>
+          </a:blip>
+          <a:stretch>
+            <a:fillRect/>
+          </a:stretch>
+        </p:blipFill>
+        <p:spPr>
+          <a:xfrm>
+            <a:off x="5034431" y="2316156"/>
+            <a:ext cx="4912084" cy="2176529"/>
+          </a:xfrm>
+          <a:prstGeom prst="rect">
+            <a:avLst/>
+          </a:prstGeom>
+        </p:spPr>
+      </p:pic>
+      <p:pic>
+        <p:nvPicPr>
+          <p:cNvPr id="10" name="Picture 9" descr="A graph of sales&#10;&#10;Description automatically generated with medium confidence">
+            <a:extLst>
+              <a:ext uri="{FF2B5EF4-FFF2-40B4-BE49-F238E27FC236}">
+                <a16:creationId xmlns:a16="http://schemas.microsoft.com/office/drawing/2014/main" id="{DA58CBCA-213C-FBAA-0080-3E81736D8BE7}"/>
+              </a:ext>
+            </a:extLst>
+          </p:cNvPr>
+          <p:cNvPicPr>
+            <a:picLocks noChangeAspect="1"/>
+          </p:cNvPicPr>
+          <p:nvPr/>
+        </p:nvPicPr>
+        <p:blipFill>
+          <a:blip r:embed="rId5">
+            <a:extLst>
+              <a:ext uri="{28A0092B-C50C-407E-A947-70E740481C1C}">
+                <a14:useLocalDpi xmlns:a14="http://schemas.microsoft.com/office/drawing/2010/main" val="0"/>
+              </a:ext>
+            </a:extLst>
+          </a:blip>
+          <a:stretch>
+            <a:fillRect/>
+          </a:stretch>
+        </p:blipFill>
+        <p:spPr>
+          <a:xfrm>
+            <a:off x="5034430" y="4518022"/>
+            <a:ext cx="4912084" cy="2056325"/>
+          </a:xfrm>
+          <a:prstGeom prst="rect">
+            <a:avLst/>
+          </a:prstGeom>
+        </p:spPr>
+      </p:pic>
     </p:spTree>
     <p:extLst>
       <p:ext uri="{BB962C8B-B14F-4D97-AF65-F5344CB8AC3E}">
-        <p14:creationId xmlns:p14="http://schemas.microsoft.com/office/powerpoint/2010/main" val="2597208714"/>
+        <p14:creationId xmlns:p14="http://schemas.microsoft.com/office/powerpoint/2010/main" val="208714694"/>
+      </p:ext>
+    </p:extLst>
+  </p:cSld>
+  <p:clrMapOvr>
+    <a:masterClrMapping/>
+  </p:clrMapOvr>
+</p:sld>
+</file>
+
+<file path=ppt/slides/slide24.xml><?xml version="1.0" encoding="utf-8"?>
+<p:sld xmlns:a="http://schemas.openxmlformats.org/drawingml/2006/main" xmlns:r="http://schemas.openxmlformats.org/officeDocument/2006/relationships" xmlns:p="http://schemas.openxmlformats.org/presentationml/2006/main">
+  <p:cSld>
+    <p:spTree>
+      <p:nvGrpSpPr>
+        <p:cNvPr id="1" name=""/>
+        <p:cNvGrpSpPr/>
+        <p:nvPr/>
+      </p:nvGrpSpPr>
+      <p:grpSpPr>
+        <a:xfrm>
+          <a:off x="0" y="0"/>
+          <a:ext cx="0" cy="0"/>
+          <a:chOff x="0" y="0"/>
+          <a:chExt cx="0" cy="0"/>
+        </a:xfrm>
+      </p:grpSpPr>
+      <p:sp>
+        <p:nvSpPr>
+          <p:cNvPr id="2" name="Title 1">
+            <a:extLst>
+              <a:ext uri="{FF2B5EF4-FFF2-40B4-BE49-F238E27FC236}">
+                <a16:creationId xmlns:a16="http://schemas.microsoft.com/office/drawing/2014/main" id="{D76B971D-8B9B-44CA-88AA-152727107946}"/>
+              </a:ext>
+            </a:extLst>
+          </p:cNvPr>
+          <p:cNvSpPr>
+            <a:spLocks noGrp="1"/>
+          </p:cNvSpPr>
+          <p:nvPr>
+            <p:ph type="title"/>
+          </p:nvPr>
+        </p:nvSpPr>
+        <p:spPr/>
+        <p:txBody>
+          <a:bodyPr>
+            <a:normAutofit/>
+          </a:bodyPr>
+          <a:lstStyle/>
+          <a:p>
+            <a:r>
+              <a:rPr lang="en-US" sz="2000" dirty="0"/>
+              <a:t>Consumer Price Index (CPI)</a:t>
+            </a:r>
+          </a:p>
+        </p:txBody>
+      </p:sp>
+      <p:pic>
+        <p:nvPicPr>
+          <p:cNvPr id="4" name="Picture 3" descr="A graph of sales&#10;&#10;Description automatically generated">
+            <a:extLst>
+              <a:ext uri="{FF2B5EF4-FFF2-40B4-BE49-F238E27FC236}">
+                <a16:creationId xmlns:a16="http://schemas.microsoft.com/office/drawing/2014/main" id="{30771E30-DB2E-FC31-1614-D4560C081D82}"/>
+              </a:ext>
+            </a:extLst>
+          </p:cNvPr>
+          <p:cNvPicPr>
+            <a:picLocks noChangeAspect="1"/>
+          </p:cNvPicPr>
+          <p:nvPr/>
+        </p:nvPicPr>
+        <p:blipFill>
+          <a:blip r:embed="rId2">
+            <a:extLst>
+              <a:ext uri="{28A0092B-C50C-407E-A947-70E740481C1C}">
+                <a14:useLocalDpi xmlns:a14="http://schemas.microsoft.com/office/drawing/2010/main" val="0"/>
+              </a:ext>
+            </a:extLst>
+          </a:blip>
+          <a:stretch>
+            <a:fillRect/>
+          </a:stretch>
+        </p:blipFill>
+        <p:spPr>
+          <a:xfrm>
+            <a:off x="3292146" y="445523"/>
+            <a:ext cx="4394934" cy="2474026"/>
+          </a:xfrm>
+          <a:prstGeom prst="rect">
+            <a:avLst/>
+          </a:prstGeom>
+        </p:spPr>
+      </p:pic>
+      <p:pic>
+        <p:nvPicPr>
+          <p:cNvPr id="6" name="Picture 5" descr="A graph with red lines and numbers&#10;&#10;Description automatically generated">
+            <a:extLst>
+              <a:ext uri="{FF2B5EF4-FFF2-40B4-BE49-F238E27FC236}">
+                <a16:creationId xmlns:a16="http://schemas.microsoft.com/office/drawing/2014/main" id="{4E85DE1F-15D0-F9FE-8207-D0240A798418}"/>
+              </a:ext>
+            </a:extLst>
+          </p:cNvPr>
+          <p:cNvPicPr>
+            <a:picLocks noChangeAspect="1"/>
+          </p:cNvPicPr>
+          <p:nvPr/>
+        </p:nvPicPr>
+        <p:blipFill>
+          <a:blip r:embed="rId3">
+            <a:extLst>
+              <a:ext uri="{28A0092B-C50C-407E-A947-70E740481C1C}">
+                <a14:useLocalDpi xmlns:a14="http://schemas.microsoft.com/office/drawing/2010/main" val="0"/>
+              </a:ext>
+            </a:extLst>
+          </a:blip>
+          <a:stretch>
+            <a:fillRect/>
+          </a:stretch>
+        </p:blipFill>
+        <p:spPr>
+          <a:xfrm>
+            <a:off x="7716103" y="445522"/>
+            <a:ext cx="4394934" cy="2474026"/>
+          </a:xfrm>
+          <a:prstGeom prst="rect">
+            <a:avLst/>
+          </a:prstGeom>
+        </p:spPr>
+      </p:pic>
+      <p:pic>
+        <p:nvPicPr>
+          <p:cNvPr id="8" name="Picture 7" descr="A graph with a red line&#10;&#10;Description automatically generated">
+            <a:extLst>
+              <a:ext uri="{FF2B5EF4-FFF2-40B4-BE49-F238E27FC236}">
+                <a16:creationId xmlns:a16="http://schemas.microsoft.com/office/drawing/2014/main" id="{25F38AB3-5690-9888-9B40-FA05A9209B16}"/>
+              </a:ext>
+            </a:extLst>
+          </p:cNvPr>
+          <p:cNvPicPr>
+            <a:picLocks noChangeAspect="1"/>
+          </p:cNvPicPr>
+          <p:nvPr/>
+        </p:nvPicPr>
+        <p:blipFill>
+          <a:blip r:embed="rId4">
+            <a:extLst>
+              <a:ext uri="{28A0092B-C50C-407E-A947-70E740481C1C}">
+                <a14:useLocalDpi xmlns:a14="http://schemas.microsoft.com/office/drawing/2010/main" val="0"/>
+              </a:ext>
+            </a:extLst>
+          </a:blip>
+          <a:stretch>
+            <a:fillRect/>
+          </a:stretch>
+        </p:blipFill>
+        <p:spPr>
+          <a:xfrm>
+            <a:off x="3292146" y="3249121"/>
+            <a:ext cx="4394934" cy="2458255"/>
+          </a:xfrm>
+          <a:prstGeom prst="rect">
+            <a:avLst/>
+          </a:prstGeom>
+        </p:spPr>
+      </p:pic>
+      <p:pic>
+        <p:nvPicPr>
+          <p:cNvPr id="10" name="Picture 9" descr="A graph of sales and a few other sales&#10;&#10;Description automatically generated with medium confidence">
+            <a:extLst>
+              <a:ext uri="{FF2B5EF4-FFF2-40B4-BE49-F238E27FC236}">
+                <a16:creationId xmlns:a16="http://schemas.microsoft.com/office/drawing/2014/main" id="{BEE9838B-CDC2-00C6-2B56-5B7A1ABFC022}"/>
+              </a:ext>
+            </a:extLst>
+          </p:cNvPr>
+          <p:cNvPicPr>
+            <a:picLocks noChangeAspect="1"/>
+          </p:cNvPicPr>
+          <p:nvPr/>
+        </p:nvPicPr>
+        <p:blipFill>
+          <a:blip r:embed="rId5">
+            <a:extLst>
+              <a:ext uri="{28A0092B-C50C-407E-A947-70E740481C1C}">
+                <a14:useLocalDpi xmlns:a14="http://schemas.microsoft.com/office/drawing/2010/main" val="0"/>
+              </a:ext>
+            </a:extLst>
+          </a:blip>
+          <a:stretch>
+            <a:fillRect/>
+          </a:stretch>
+        </p:blipFill>
+        <p:spPr>
+          <a:xfrm>
+            <a:off x="7716103" y="3249122"/>
+            <a:ext cx="4394934" cy="2475898"/>
+          </a:xfrm>
+          <a:prstGeom prst="rect">
+            <a:avLst/>
+          </a:prstGeom>
+        </p:spPr>
+      </p:pic>
+    </p:spTree>
+    <p:extLst>
+      <p:ext uri="{BB962C8B-B14F-4D97-AF65-F5344CB8AC3E}">
+        <p14:creationId xmlns:p14="http://schemas.microsoft.com/office/powerpoint/2010/main" val="2168812296"/>
       </p:ext>
     </p:extLst>
   </p:cSld>
@@ -5755,7 +6058,7 @@
             </a:r>
             <a:r>
               <a:rPr lang="en-US" dirty="0"/>
-              <a:t>’ variable which is a Boolean filed that shows whether the week is a special holiday or not. This signifies promotional markdown events throughout the year preceding prominent holidays which include the Super Bowl, Labor Day, Thanksgiving, and Christmas.</a:t>
+              <a:t>’ variable which is a Boolean field that shows whether the week is a special holiday or not. This signifies promotional markdown events throughout the year preceding prominent holidays which include the Super Bowl, Labor Day, Thanksgiving, and Christmas.</a:t>
             </a:r>
           </a:p>
         </p:txBody>
@@ -6235,10 +6538,10 @@
       </p:sp>
       <p:pic>
         <p:nvPicPr>
-          <p:cNvPr id="4" name="Picture 3" descr="A pie chart with numbers and text&#10;&#10;Description automatically generated">
+          <p:cNvPr id="5" name="Picture 4">
             <a:extLst>
               <a:ext uri="{FF2B5EF4-FFF2-40B4-BE49-F238E27FC236}">
-                <a16:creationId xmlns:a16="http://schemas.microsoft.com/office/drawing/2014/main" id="{4ABDE50C-8F20-2D00-027D-B4A9C112CFEF}"/>
+                <a16:creationId xmlns:a16="http://schemas.microsoft.com/office/drawing/2014/main" id="{18C43267-50A5-7030-56A4-A6506D3A80EC}"/>
               </a:ext>
             </a:extLst>
           </p:cNvPr>
@@ -6248,21 +6551,15 @@
           <p:nvPr/>
         </p:nvPicPr>
         <p:blipFill>
-          <a:blip r:embed="rId2">
-            <a:extLst>
-              <a:ext uri="{28A0092B-C50C-407E-A947-70E740481C1C}">
-                <a14:useLocalDpi xmlns:a14="http://schemas.microsoft.com/office/drawing/2010/main" val="0"/>
-              </a:ext>
-            </a:extLst>
-          </a:blip>
+          <a:blip r:embed="rId2"/>
           <a:stretch>
             <a:fillRect/>
           </a:stretch>
         </p:blipFill>
         <p:spPr>
           <a:xfrm>
-            <a:off x="4575386" y="1571557"/>
-            <a:ext cx="6058746" cy="3705742"/>
+            <a:off x="4287784" y="1395320"/>
+            <a:ext cx="6744641" cy="4058216"/>
           </a:xfrm>
           <a:prstGeom prst="rect">
             <a:avLst/>
@@ -6422,7 +6719,7 @@
             </a:br>
             <a:r>
               <a:rPr lang="en-US" sz="2000" dirty="0"/>
-              <a:t>Low performance stores have significantly smaller peaks around the holidays.</a:t>
+              <a:t>Low performance stores have noticeably smaller peaks around the holidays.</a:t>
             </a:r>
           </a:p>
         </p:txBody>

--- a/Walmart Sales Analysis.pptx
+++ b/Walmart Sales Analysis.pptx
@@ -3639,16 +3639,6 @@
             <a:br>
               <a:rPr lang="en-US" sz="2000" dirty="0"/>
             </a:br>
-            <a:r>
-              <a:rPr lang="en-US" sz="2000" dirty="0"/>
-              <a:t>Revenue increases at a rate of about 7.5% during the holidays.</a:t>
-            </a:r>
-            <a:br>
-              <a:rPr lang="en-US" sz="2000" dirty="0"/>
-            </a:br>
-            <a:br>
-              <a:rPr lang="en-US" sz="2000" dirty="0"/>
-            </a:br>
             <a:endParaRPr lang="en-US" sz="2000" dirty="0"/>
           </a:p>
         </p:txBody>
